--- a/documents/workflow.pptx
+++ b/documents/workflow.pptx
@@ -263,7 +263,7 @@
           <a:p>
             <a:fld id="{B961FE52-FF99-4D37-8346-F928C5B71EFF}" type="datetimeFigureOut">
               <a:rPr lang="en-US" smtClean="0"/>
-              <a:t>8/6/2017</a:t>
+              <a:t>8/7/2017</a:t>
             </a:fld>
             <a:endParaRPr lang="en-US"/>
           </a:p>
@@ -461,7 +461,7 @@
           <a:p>
             <a:fld id="{B961FE52-FF99-4D37-8346-F928C5B71EFF}" type="datetimeFigureOut">
               <a:rPr lang="en-US" smtClean="0"/>
-              <a:t>8/6/2017</a:t>
+              <a:t>8/7/2017</a:t>
             </a:fld>
             <a:endParaRPr lang="en-US"/>
           </a:p>
@@ -669,7 +669,7 @@
           <a:p>
             <a:fld id="{B961FE52-FF99-4D37-8346-F928C5B71EFF}" type="datetimeFigureOut">
               <a:rPr lang="en-US" smtClean="0"/>
-              <a:t>8/6/2017</a:t>
+              <a:t>8/7/2017</a:t>
             </a:fld>
             <a:endParaRPr lang="en-US"/>
           </a:p>
@@ -867,7 +867,7 @@
           <a:p>
             <a:fld id="{B961FE52-FF99-4D37-8346-F928C5B71EFF}" type="datetimeFigureOut">
               <a:rPr lang="en-US" smtClean="0"/>
-              <a:t>8/6/2017</a:t>
+              <a:t>8/7/2017</a:t>
             </a:fld>
             <a:endParaRPr lang="en-US"/>
           </a:p>
@@ -1142,7 +1142,7 @@
           <a:p>
             <a:fld id="{B961FE52-FF99-4D37-8346-F928C5B71EFF}" type="datetimeFigureOut">
               <a:rPr lang="en-US" smtClean="0"/>
-              <a:t>8/6/2017</a:t>
+              <a:t>8/7/2017</a:t>
             </a:fld>
             <a:endParaRPr lang="en-US"/>
           </a:p>
@@ -1407,7 +1407,7 @@
           <a:p>
             <a:fld id="{B961FE52-FF99-4D37-8346-F928C5B71EFF}" type="datetimeFigureOut">
               <a:rPr lang="en-US" smtClean="0"/>
-              <a:t>8/6/2017</a:t>
+              <a:t>8/7/2017</a:t>
             </a:fld>
             <a:endParaRPr lang="en-US"/>
           </a:p>
@@ -1819,7 +1819,7 @@
           <a:p>
             <a:fld id="{B961FE52-FF99-4D37-8346-F928C5B71EFF}" type="datetimeFigureOut">
               <a:rPr lang="en-US" smtClean="0"/>
-              <a:t>8/6/2017</a:t>
+              <a:t>8/7/2017</a:t>
             </a:fld>
             <a:endParaRPr lang="en-US"/>
           </a:p>
@@ -1960,7 +1960,7 @@
           <a:p>
             <a:fld id="{B961FE52-FF99-4D37-8346-F928C5B71EFF}" type="datetimeFigureOut">
               <a:rPr lang="en-US" smtClean="0"/>
-              <a:t>8/6/2017</a:t>
+              <a:t>8/7/2017</a:t>
             </a:fld>
             <a:endParaRPr lang="en-US"/>
           </a:p>
@@ -2073,7 +2073,7 @@
           <a:p>
             <a:fld id="{B961FE52-FF99-4D37-8346-F928C5B71EFF}" type="datetimeFigureOut">
               <a:rPr lang="en-US" smtClean="0"/>
-              <a:t>8/6/2017</a:t>
+              <a:t>8/7/2017</a:t>
             </a:fld>
             <a:endParaRPr lang="en-US"/>
           </a:p>
@@ -2384,7 +2384,7 @@
           <a:p>
             <a:fld id="{B961FE52-FF99-4D37-8346-F928C5B71EFF}" type="datetimeFigureOut">
               <a:rPr lang="en-US" smtClean="0"/>
-              <a:t>8/6/2017</a:t>
+              <a:t>8/7/2017</a:t>
             </a:fld>
             <a:endParaRPr lang="en-US"/>
           </a:p>
@@ -2672,7 +2672,7 @@
           <a:p>
             <a:fld id="{B961FE52-FF99-4D37-8346-F928C5B71EFF}" type="datetimeFigureOut">
               <a:rPr lang="en-US" smtClean="0"/>
-              <a:t>8/6/2017</a:t>
+              <a:t>8/7/2017</a:t>
             </a:fld>
             <a:endParaRPr lang="en-US"/>
           </a:p>
@@ -2913,7 +2913,7 @@
           <a:p>
             <a:fld id="{B961FE52-FF99-4D37-8346-F928C5B71EFF}" type="datetimeFigureOut">
               <a:rPr lang="en-US" smtClean="0"/>
-              <a:t>8/6/2017</a:t>
+              <a:t>8/7/2017</a:t>
             </a:fld>
             <a:endParaRPr lang="en-US"/>
           </a:p>
@@ -3429,12 +3429,16 @@
           <a:p>
             <a:pPr algn="ctr"/>
             <a:r>
-              <a:rPr lang="en-US" sz="3600" b="1" dirty="0">
+              <a:rPr lang="en-US" sz="3600" b="1">
                 <a:latin typeface="Consolas" panose="020B0609020204030204" pitchFamily="49" charset="0"/>
                 <a:ea typeface="Adobe Fangsong Std R" panose="02020400000000000000" pitchFamily="18" charset="-128"/>
               </a:rPr>
-              <a:t>Work Flow</a:t>
-            </a:r>
+              <a:t>Workflow</a:t>
+            </a:r>
+            <a:endParaRPr lang="en-US" sz="3600" b="1" dirty="0">
+              <a:latin typeface="Consolas" panose="020B0609020204030204" pitchFamily="49" charset="0"/>
+              <a:ea typeface="Adobe Fangsong Std R" panose="02020400000000000000" pitchFamily="18" charset="-128"/>
+            </a:endParaRPr>
           </a:p>
         </p:txBody>
       </p:sp>
